--- a/translations/ru/lessons/ViewingSensorValuesRU.pptx
+++ b/translations/ru/lessons/ViewingSensorValuesRU.pptx
@@ -220,7 +220,7 @@
           <a:p>
             <a:fld id="{58040048-1E4D-CD41-AC49-0750EB72586B}" type="datetimeFigureOut">
               <a:rPr lang="en-US" smtClean="0"/>
-              <a:t>6/6/2020</a:t>
+              <a:t>6/11/20</a:t>
             </a:fld>
             <a:endParaRPr lang="en-US"/>
           </a:p>
@@ -386,7 +386,7 @@
           <a:p>
             <a:fld id="{2B8484CF-5098-F24E-8881-583515D5C406}" type="datetimeFigureOut">
               <a:rPr lang="en-US" smtClean="0"/>
-              <a:t>6/6/2020</a:t>
+              <a:t>6/11/20</a:t>
             </a:fld>
             <a:endParaRPr lang="en-US"/>
           </a:p>
@@ -748,7 +748,7 @@
           <p:cNvPr id="8" name="Subtitle 1">
             <a:extLst>
               <a:ext uri="{FF2B5EF4-FFF2-40B4-BE49-F238E27FC236}">
-                <a16:creationId xmlns="" xmlns:a16="http://schemas.microsoft.com/office/drawing/2014/main" id="{227F28FB-346D-45F5-A52C-A1B7DBC13191}"/>
+                <a16:creationId xmlns:a16="http://schemas.microsoft.com/office/drawing/2014/main" id="{227F28FB-346D-45F5-A52C-A1B7DBC13191}"/>
               </a:ext>
             </a:extLst>
           </p:cNvPr>
@@ -975,14 +975,13 @@
               <a:buNone/>
             </a:pPr>
             <a:r>
-              <a:rPr lang="ru-RU" sz="3200" b="1" dirty="0" smtClean="0"/>
+              <a:rPr lang="ru-RU" sz="3200" b="1" dirty="0"/>
               <a:t>УРОКИ ПО </a:t>
             </a:r>
             <a:r>
-              <a:rPr lang="en-US" sz="3200" b="1" dirty="0" smtClean="0"/>
+              <a:rPr lang="en-US" sz="3200" b="1" dirty="0"/>
               <a:t>SPIKE PRIME</a:t>
             </a:r>
-            <a:endParaRPr lang="en-US" sz="3200" b="1" dirty="0"/>
           </a:p>
         </p:txBody>
       </p:sp>
@@ -991,7 +990,7 @@
           <p:cNvPr id="9" name="Picture 8" descr="A picture containing drawing&#10;&#10;Description automatically generated">
             <a:extLst>
               <a:ext uri="{FF2B5EF4-FFF2-40B4-BE49-F238E27FC236}">
-                <a16:creationId xmlns="" xmlns:a16="http://schemas.microsoft.com/office/drawing/2014/main" id="{26780A6E-BC42-443E-B6EE-CF18D754C376}"/>
+                <a16:creationId xmlns:a16="http://schemas.microsoft.com/office/drawing/2014/main" id="{26780A6E-BC42-443E-B6EE-CF18D754C376}"/>
               </a:ext>
             </a:extLst>
           </p:cNvPr>
@@ -1031,7 +1030,7 @@
           <p:cNvPr id="12" name="Picture 11" descr="A picture containing sitting, game, remote, video&#10;&#10;Description automatically generated">
             <a:extLst>
               <a:ext uri="{FF2B5EF4-FFF2-40B4-BE49-F238E27FC236}">
-                <a16:creationId xmlns="" xmlns:a16="http://schemas.microsoft.com/office/drawing/2014/main" id="{19D0660C-C674-40CA-9A39-C1E73533C99D}"/>
+                <a16:creationId xmlns:a16="http://schemas.microsoft.com/office/drawing/2014/main" id="{19D0660C-C674-40CA-9A39-C1E73533C99D}"/>
               </a:ext>
             </a:extLst>
           </p:cNvPr>
@@ -1062,7 +1061,7 @@
           <p:cNvPr id="10" name="Group 9">
             <a:extLst>
               <a:ext uri="{FF2B5EF4-FFF2-40B4-BE49-F238E27FC236}">
-                <a16:creationId xmlns="" xmlns:a16="http://schemas.microsoft.com/office/drawing/2014/main" id="{4B69029F-0264-491E-B811-65F7DA3CBBB0}"/>
+                <a16:creationId xmlns:a16="http://schemas.microsoft.com/office/drawing/2014/main" id="{4B69029F-0264-491E-B811-65F7DA3CBBB0}"/>
               </a:ext>
             </a:extLst>
           </p:cNvPr>
@@ -1082,7 +1081,7 @@
             <p:cNvPr id="13" name="Picture 12" descr="A picture containing drawing, window&#10;&#10;Description automatically generated">
               <a:extLst>
                 <a:ext uri="{FF2B5EF4-FFF2-40B4-BE49-F238E27FC236}">
-                  <a16:creationId xmlns="" xmlns:a16="http://schemas.microsoft.com/office/drawing/2014/main" id="{ABD06244-04F9-463D-A4DB-628C04BB8546}"/>
+                  <a16:creationId xmlns:a16="http://schemas.microsoft.com/office/drawing/2014/main" id="{ABD06244-04F9-463D-A4DB-628C04BB8546}"/>
                 </a:ext>
               </a:extLst>
             </p:cNvPr>
@@ -1112,7 +1111,7 @@
             <p:cNvPr id="14" name="Picture 13" descr="A picture containing building, drawing&#10;&#10;Description automatically generated">
               <a:extLst>
                 <a:ext uri="{FF2B5EF4-FFF2-40B4-BE49-F238E27FC236}">
-                  <a16:creationId xmlns="" xmlns:a16="http://schemas.microsoft.com/office/drawing/2014/main" id="{63D75727-DAE8-4F50-8B40-C2AB0C6A949F}"/>
+                  <a16:creationId xmlns:a16="http://schemas.microsoft.com/office/drawing/2014/main" id="{63D75727-DAE8-4F50-8B40-C2AB0C6A949F}"/>
                 </a:ext>
               </a:extLst>
             </p:cNvPr>
@@ -1142,7 +1141,7 @@
             <p:cNvPr id="15" name="Picture 14" descr="A picture containing drawing, holding&#10;&#10;Description automatically generated">
               <a:extLst>
                 <a:ext uri="{FF2B5EF4-FFF2-40B4-BE49-F238E27FC236}">
-                  <a16:creationId xmlns="" xmlns:a16="http://schemas.microsoft.com/office/drawing/2014/main" id="{65AA8D01-3E12-417C-866C-09E77342F6AA}"/>
+                  <a16:creationId xmlns:a16="http://schemas.microsoft.com/office/drawing/2014/main" id="{65AA8D01-3E12-417C-866C-09E77342F6AA}"/>
                 </a:ext>
               </a:extLst>
             </p:cNvPr>
@@ -1172,7 +1171,7 @@
             <p:cNvPr id="16" name="Picture 15" descr="A picture containing drawing, building, purple, window&#10;&#10;Description automatically generated">
               <a:extLst>
                 <a:ext uri="{FF2B5EF4-FFF2-40B4-BE49-F238E27FC236}">
-                  <a16:creationId xmlns="" xmlns:a16="http://schemas.microsoft.com/office/drawing/2014/main" id="{BA4509F5-9711-4A35-B736-E2BAFCB547F0}"/>
+                  <a16:creationId xmlns:a16="http://schemas.microsoft.com/office/drawing/2014/main" id="{BA4509F5-9711-4A35-B736-E2BAFCB547F0}"/>
                 </a:ext>
               </a:extLst>
             </p:cNvPr>
@@ -1949,7 +1948,7 @@
           <p:cNvPr id="9" name="Straight Connector 8">
             <a:extLst>
               <a:ext uri="{FF2B5EF4-FFF2-40B4-BE49-F238E27FC236}">
-                <a16:creationId xmlns="" xmlns:a16="http://schemas.microsoft.com/office/drawing/2014/main" id="{D59C872A-C57F-4B1F-AFD0-FDF125C3C485}"/>
+                <a16:creationId xmlns:a16="http://schemas.microsoft.com/office/drawing/2014/main" id="{D59C872A-C57F-4B1F-AFD0-FDF125C3C485}"/>
               </a:ext>
             </a:extLst>
           </p:cNvPr>
@@ -2333,7 +2332,7 @@
           <p:cNvPr id="11" name="Rectangle 10">
             <a:extLst>
               <a:ext uri="{FF2B5EF4-FFF2-40B4-BE49-F238E27FC236}">
-                <a16:creationId xmlns="" xmlns:a16="http://schemas.microsoft.com/office/drawing/2014/main" id="{A9F621E0-AEE7-4799-81EB-EB99ED60C8DF}"/>
+                <a16:creationId xmlns:a16="http://schemas.microsoft.com/office/drawing/2014/main" id="{A9F621E0-AEE7-4799-81EB-EB99ED60C8DF}"/>
               </a:ext>
             </a:extLst>
           </p:cNvPr>
@@ -2385,7 +2384,7 @@
           <p:cNvPr id="12" name="Title 1">
             <a:extLst>
               <a:ext uri="{FF2B5EF4-FFF2-40B4-BE49-F238E27FC236}">
-                <a16:creationId xmlns="" xmlns:a16="http://schemas.microsoft.com/office/drawing/2014/main" id="{B40FAB25-E17C-4189-8846-137BC28A1EB3}"/>
+                <a16:creationId xmlns:a16="http://schemas.microsoft.com/office/drawing/2014/main" id="{B40FAB25-E17C-4189-8846-137BC28A1EB3}"/>
               </a:ext>
             </a:extLst>
           </p:cNvPr>
@@ -2673,7 +2672,7 @@
           <p:cNvPr id="9" name="Footer Placeholder 4">
             <a:extLst>
               <a:ext uri="{FF2B5EF4-FFF2-40B4-BE49-F238E27FC236}">
-                <a16:creationId xmlns="" xmlns:a16="http://schemas.microsoft.com/office/drawing/2014/main" id="{593A4B09-24AC-454E-8A0C-D31EDE125503}"/>
+                <a16:creationId xmlns:a16="http://schemas.microsoft.com/office/drawing/2014/main" id="{593A4B09-24AC-454E-8A0C-D31EDE125503}"/>
               </a:ext>
             </a:extLst>
           </p:cNvPr>
@@ -2710,7 +2709,7 @@
           <p:cNvPr id="10" name="Slide Number Placeholder 5">
             <a:extLst>
               <a:ext uri="{FF2B5EF4-FFF2-40B4-BE49-F238E27FC236}">
-                <a16:creationId xmlns="" xmlns:a16="http://schemas.microsoft.com/office/drawing/2014/main" id="{24EC4D01-901A-4258-A65D-27A4329F0F2D}"/>
+                <a16:creationId xmlns:a16="http://schemas.microsoft.com/office/drawing/2014/main" id="{24EC4D01-901A-4258-A65D-27A4329F0F2D}"/>
               </a:ext>
             </a:extLst>
           </p:cNvPr>
@@ -2747,7 +2746,7 @@
           <p:cNvPr id="11" name="Straight Connector 10">
             <a:extLst>
               <a:ext uri="{FF2B5EF4-FFF2-40B4-BE49-F238E27FC236}">
-                <a16:creationId xmlns="" xmlns:a16="http://schemas.microsoft.com/office/drawing/2014/main" id="{BE3A7F9C-E99E-44C1-89A0-A6ED28ADCEF0}"/>
+                <a16:creationId xmlns:a16="http://schemas.microsoft.com/office/drawing/2014/main" id="{BE3A7F9C-E99E-44C1-89A0-A6ED28ADCEF0}"/>
               </a:ext>
             </a:extLst>
           </p:cNvPr>
@@ -2783,7 +2782,7 @@
           <p:cNvPr id="15" name="Rectangle 14">
             <a:extLst>
               <a:ext uri="{FF2B5EF4-FFF2-40B4-BE49-F238E27FC236}">
-                <a16:creationId xmlns="" xmlns:a16="http://schemas.microsoft.com/office/drawing/2014/main" id="{8F86C8F5-3CD8-41C6-A6C4-EF53AE7214CB}"/>
+                <a16:creationId xmlns:a16="http://schemas.microsoft.com/office/drawing/2014/main" id="{8F86C8F5-3CD8-41C6-A6C4-EF53AE7214CB}"/>
               </a:ext>
             </a:extLst>
           </p:cNvPr>
@@ -2835,7 +2834,7 @@
           <p:cNvPr id="16" name="Title 1">
             <a:extLst>
               <a:ext uri="{FF2B5EF4-FFF2-40B4-BE49-F238E27FC236}">
-                <a16:creationId xmlns="" xmlns:a16="http://schemas.microsoft.com/office/drawing/2014/main" id="{389BF07E-558D-420A-943A-465BCC22754A}"/>
+                <a16:creationId xmlns:a16="http://schemas.microsoft.com/office/drawing/2014/main" id="{389BF07E-558D-420A-943A-465BCC22754A}"/>
               </a:ext>
             </a:extLst>
           </p:cNvPr>
@@ -3255,7 +3254,7 @@
           <p:cNvPr id="14" name="Rectangle 13">
             <a:extLst>
               <a:ext uri="{FF2B5EF4-FFF2-40B4-BE49-F238E27FC236}">
-                <a16:creationId xmlns="" xmlns:a16="http://schemas.microsoft.com/office/drawing/2014/main" id="{4E7E6853-34E8-4052-808F-422B5860D591}"/>
+                <a16:creationId xmlns:a16="http://schemas.microsoft.com/office/drawing/2014/main" id="{4E7E6853-34E8-4052-808F-422B5860D591}"/>
               </a:ext>
             </a:extLst>
           </p:cNvPr>
@@ -3307,7 +3306,7 @@
           <p:cNvPr id="15" name="Title 1">
             <a:extLst>
               <a:ext uri="{FF2B5EF4-FFF2-40B4-BE49-F238E27FC236}">
-                <a16:creationId xmlns="" xmlns:a16="http://schemas.microsoft.com/office/drawing/2014/main" id="{0EFA1566-CE68-450F-950A-CED460092EA8}"/>
+                <a16:creationId xmlns:a16="http://schemas.microsoft.com/office/drawing/2014/main" id="{0EFA1566-CE68-450F-950A-CED460092EA8}"/>
               </a:ext>
             </a:extLst>
           </p:cNvPr>
@@ -3378,7 +3377,7 @@
           <p:cNvPr id="7" name="Footer Placeholder 4">
             <a:extLst>
               <a:ext uri="{FF2B5EF4-FFF2-40B4-BE49-F238E27FC236}">
-                <a16:creationId xmlns="" xmlns:a16="http://schemas.microsoft.com/office/drawing/2014/main" id="{42632993-FC7F-42E0-9D01-6C58965FB8BB}"/>
+                <a16:creationId xmlns:a16="http://schemas.microsoft.com/office/drawing/2014/main" id="{42632993-FC7F-42E0-9D01-6C58965FB8BB}"/>
               </a:ext>
             </a:extLst>
           </p:cNvPr>
@@ -3415,7 +3414,7 @@
           <p:cNvPr id="8" name="Slide Number Placeholder 5">
             <a:extLst>
               <a:ext uri="{FF2B5EF4-FFF2-40B4-BE49-F238E27FC236}">
-                <a16:creationId xmlns="" xmlns:a16="http://schemas.microsoft.com/office/drawing/2014/main" id="{57B8D68D-165F-4007-99ED-9807B7E8CBDC}"/>
+                <a16:creationId xmlns:a16="http://schemas.microsoft.com/office/drawing/2014/main" id="{57B8D68D-165F-4007-99ED-9807B7E8CBDC}"/>
               </a:ext>
             </a:extLst>
           </p:cNvPr>
@@ -3452,7 +3451,7 @@
           <p:cNvPr id="9" name="Straight Connector 8">
             <a:extLst>
               <a:ext uri="{FF2B5EF4-FFF2-40B4-BE49-F238E27FC236}">
-                <a16:creationId xmlns="" xmlns:a16="http://schemas.microsoft.com/office/drawing/2014/main" id="{72068E05-BA91-41C0-82CA-8F2AD35C67E8}"/>
+                <a16:creationId xmlns:a16="http://schemas.microsoft.com/office/drawing/2014/main" id="{72068E05-BA91-41C0-82CA-8F2AD35C67E8}"/>
               </a:ext>
             </a:extLst>
           </p:cNvPr>
@@ -3488,7 +3487,7 @@
           <p:cNvPr id="13" name="Rectangle 12">
             <a:extLst>
               <a:ext uri="{FF2B5EF4-FFF2-40B4-BE49-F238E27FC236}">
-                <a16:creationId xmlns="" xmlns:a16="http://schemas.microsoft.com/office/drawing/2014/main" id="{B2971BF8-D77B-4814-931D-48F5EB38C3C1}"/>
+                <a16:creationId xmlns:a16="http://schemas.microsoft.com/office/drawing/2014/main" id="{B2971BF8-D77B-4814-931D-48F5EB38C3C1}"/>
               </a:ext>
             </a:extLst>
           </p:cNvPr>
@@ -3540,7 +3539,7 @@
           <p:cNvPr id="14" name="Title 1">
             <a:extLst>
               <a:ext uri="{FF2B5EF4-FFF2-40B4-BE49-F238E27FC236}">
-                <a16:creationId xmlns="" xmlns:a16="http://schemas.microsoft.com/office/drawing/2014/main" id="{37D59584-71E8-443A-AF13-6C99AD60823A}"/>
+                <a16:creationId xmlns:a16="http://schemas.microsoft.com/office/drawing/2014/main" id="{37D59584-71E8-443A-AF13-6C99AD60823A}"/>
               </a:ext>
             </a:extLst>
           </p:cNvPr>
@@ -3611,7 +3610,7 @@
           <p:cNvPr id="8" name="Rectangle 7">
             <a:extLst>
               <a:ext uri="{FF2B5EF4-FFF2-40B4-BE49-F238E27FC236}">
-                <a16:creationId xmlns="" xmlns:a16="http://schemas.microsoft.com/office/drawing/2014/main" id="{8DE18750-3B08-429F-A276-D977DF7F7295}"/>
+                <a16:creationId xmlns:a16="http://schemas.microsoft.com/office/drawing/2014/main" id="{8DE18750-3B08-429F-A276-D977DF7F7295}"/>
               </a:ext>
             </a:extLst>
           </p:cNvPr>
@@ -3663,7 +3662,7 @@
           <p:cNvPr id="9" name="Title 1">
             <a:extLst>
               <a:ext uri="{FF2B5EF4-FFF2-40B4-BE49-F238E27FC236}">
-                <a16:creationId xmlns="" xmlns:a16="http://schemas.microsoft.com/office/drawing/2014/main" id="{09B12976-4243-42C3-AD82-8647817437DB}"/>
+                <a16:creationId xmlns:a16="http://schemas.microsoft.com/office/drawing/2014/main" id="{09B12976-4243-42C3-AD82-8647817437DB}"/>
               </a:ext>
             </a:extLst>
           </p:cNvPr>
@@ -3704,7 +3703,7 @@
           <p:cNvPr id="10" name="Slide Number Placeholder 5">
             <a:extLst>
               <a:ext uri="{FF2B5EF4-FFF2-40B4-BE49-F238E27FC236}">
-                <a16:creationId xmlns="" xmlns:a16="http://schemas.microsoft.com/office/drawing/2014/main" id="{AB5BF95A-3885-4491-876B-4C99D444A819}"/>
+                <a16:creationId xmlns:a16="http://schemas.microsoft.com/office/drawing/2014/main" id="{AB5BF95A-3885-4491-876B-4C99D444A819}"/>
               </a:ext>
             </a:extLst>
           </p:cNvPr>
@@ -3741,7 +3740,7 @@
           <p:cNvPr id="11" name="Straight Connector 10">
             <a:extLst>
               <a:ext uri="{FF2B5EF4-FFF2-40B4-BE49-F238E27FC236}">
-                <a16:creationId xmlns="" xmlns:a16="http://schemas.microsoft.com/office/drawing/2014/main" id="{A625C0E0-87AD-4A9A-8CC2-D51E549C54AC}"/>
+                <a16:creationId xmlns:a16="http://schemas.microsoft.com/office/drawing/2014/main" id="{A625C0E0-87AD-4A9A-8CC2-D51E549C54AC}"/>
               </a:ext>
             </a:extLst>
           </p:cNvPr>
@@ -3777,7 +3776,7 @@
           <p:cNvPr id="12" name="Footer Placeholder 4">
             <a:extLst>
               <a:ext uri="{FF2B5EF4-FFF2-40B4-BE49-F238E27FC236}">
-                <a16:creationId xmlns="" xmlns:a16="http://schemas.microsoft.com/office/drawing/2014/main" id="{957F6DEB-B3FE-4632-A871-23BAA7FEADD1}"/>
+                <a16:creationId xmlns:a16="http://schemas.microsoft.com/office/drawing/2014/main" id="{957F6DEB-B3FE-4632-A871-23BAA7FEADD1}"/>
               </a:ext>
             </a:extLst>
           </p:cNvPr>
@@ -4774,7 +4773,7 @@
           <p:cNvPr id="12" name="Footer Placeholder 4">
             <a:extLst>
               <a:ext uri="{FF2B5EF4-FFF2-40B4-BE49-F238E27FC236}">
-                <a16:creationId xmlns="" xmlns:a16="http://schemas.microsoft.com/office/drawing/2014/main" id="{9010EC07-0A4A-4C6A-950D-55707B6C7FAB}"/>
+                <a16:creationId xmlns:a16="http://schemas.microsoft.com/office/drawing/2014/main" id="{9010EC07-0A4A-4C6A-950D-55707B6C7FAB}"/>
               </a:ext>
             </a:extLst>
           </p:cNvPr>
@@ -4815,7 +4814,7 @@
           <p:cNvPr id="13" name="Slide Number Placeholder 5">
             <a:extLst>
               <a:ext uri="{FF2B5EF4-FFF2-40B4-BE49-F238E27FC236}">
-                <a16:creationId xmlns="" xmlns:a16="http://schemas.microsoft.com/office/drawing/2014/main" id="{4C4CC031-9FAD-457B-A616-9F45DA2DE9A8}"/>
+                <a16:creationId xmlns:a16="http://schemas.microsoft.com/office/drawing/2014/main" id="{4C4CC031-9FAD-457B-A616-9F45DA2DE9A8}"/>
               </a:ext>
             </a:extLst>
           </p:cNvPr>
@@ -4857,7 +4856,7 @@
           <p:cNvPr id="14" name="Straight Connector 13">
             <a:extLst>
               <a:ext uri="{FF2B5EF4-FFF2-40B4-BE49-F238E27FC236}">
-                <a16:creationId xmlns="" xmlns:a16="http://schemas.microsoft.com/office/drawing/2014/main" id="{6AF90A68-628C-4E8F-BCF5-404070DD47EC}"/>
+                <a16:creationId xmlns:a16="http://schemas.microsoft.com/office/drawing/2014/main" id="{6AF90A68-628C-4E8F-BCF5-404070DD47EC}"/>
               </a:ext>
             </a:extLst>
           </p:cNvPr>
@@ -5304,7 +5303,7 @@
           <p:cNvPr id="2" name="Title 1">
             <a:extLst>
               <a:ext uri="{FF2B5EF4-FFF2-40B4-BE49-F238E27FC236}">
-                <a16:creationId xmlns="" xmlns:a16="http://schemas.microsoft.com/office/drawing/2014/main" id="{D16BC3E9-07DB-4552-A942-72E53C7F1D7B}"/>
+                <a16:creationId xmlns:a16="http://schemas.microsoft.com/office/drawing/2014/main" id="{D16BC3E9-07DB-4552-A942-72E53C7F1D7B}"/>
               </a:ext>
             </a:extLst>
           </p:cNvPr>
@@ -5329,11 +5328,7 @@
           <a:p>
             <a:r>
               <a:rPr lang="ru-RU" sz="3200" b="1" dirty="0"/>
-              <a:t>Просмотр значений </a:t>
-            </a:r>
-            <a:r>
-              <a:rPr lang="ru-RU" sz="3200" b="1" dirty="0" smtClean="0"/>
-              <a:t>датчиков</a:t>
+              <a:t>Просмотр значений датчиков</a:t>
             </a:r>
             <a:endParaRPr lang="en-US" sz="3200" dirty="0"/>
           </a:p>
@@ -5344,7 +5339,7 @@
           <p:cNvPr id="3" name="TextBox 2">
             <a:extLst>
               <a:ext uri="{FF2B5EF4-FFF2-40B4-BE49-F238E27FC236}">
-                <a16:creationId xmlns="" xmlns:a16="http://schemas.microsoft.com/office/drawing/2014/main" id="{8613C618-BE4E-4AD7-9CD9-0AB9F17BD5D4}"/>
+                <a16:creationId xmlns:a16="http://schemas.microsoft.com/office/drawing/2014/main" id="{8613C618-BE4E-4AD7-9CD9-0AB9F17BD5D4}"/>
               </a:ext>
             </a:extLst>
           </p:cNvPr>
@@ -5399,7 +5394,7 @@
           <p:cNvPr id="4" name="Subtitle 2">
             <a:extLst>
               <a:ext uri="{FF2B5EF4-FFF2-40B4-BE49-F238E27FC236}">
-                <a16:creationId xmlns="" xmlns:a16="http://schemas.microsoft.com/office/drawing/2014/main" id="{211BF9D1-6614-46BD-A5B9-F242E4ED3910}"/>
+                <a16:creationId xmlns:a16="http://schemas.microsoft.com/office/drawing/2014/main" id="{211BF9D1-6614-46BD-A5B9-F242E4ED3910}"/>
               </a:ext>
             </a:extLst>
           </p:cNvPr>
@@ -5689,13 +5684,6 @@
   <p:clrMapOvr>
     <a:masterClrMapping/>
   </p:clrMapOvr>
-  <p:timing>
-    <p:tnLst>
-      <p:par>
-        <p:cTn id="1" dur="indefinite" restart="never" nodeType="tmRoot"/>
-      </p:par>
-    </p:tnLst>
-  </p:timing>
 </p:sld>
 </file>
 
@@ -5820,7 +5808,7 @@
           <a:effectLst/>
           <a:extLst>
             <a:ext uri="{91240B29-F687-4f45-9708-019B960494DF}">
-              <a14:hiddenLine xmlns="" xmlns:a14="http://schemas.microsoft.com/office/drawing/2010/main" w="9525">
+              <a14:hiddenLine xmlns:a14="http://schemas.microsoft.com/office/drawing/2010/main" xmlns="" w="9525">
                 <a:solidFill>
                   <a:schemeClr val="tx1"/>
                 </a:solidFill>
@@ -5830,7 +5818,7 @@
               </a14:hiddenLine>
             </a:ext>
             <a:ext uri="{AF507438-7753-43e0-B8FC-AC1667EBCBE1}">
-              <a14:hiddenEffects xmlns="" xmlns:a14="http://schemas.microsoft.com/office/drawing/2010/main">
+              <a14:hiddenEffects xmlns:a14="http://schemas.microsoft.com/office/drawing/2010/main" xmlns="">
                 <a:effectLst>
                   <a:outerShdw dist="35921" dir="2700000" algn="ctr" rotWithShape="0">
                     <a:schemeClr val="bg2"/>
@@ -6004,18 +5992,6 @@
                 <a:latin typeface="Helvetica Neue"/>
               </a:rPr>
               <a:t>                         </a:t>
-            </a:r>
-            <a:r>
-              <a:rPr kumimoji="0" lang="en-US" altLang="en-US" sz="1050" b="0" i="0" u="none" strike="noStrike" cap="none" normalizeH="0" baseline="0" dirty="0">
-                <a:ln>
-                  <a:noFill/>
-                </a:ln>
-                <a:solidFill>
-                  <a:schemeClr val="tx1"/>
-                </a:solidFill>
-                <a:effectLst/>
-              </a:rPr>
-              <a:t/>
             </a:r>
             <a:br>
               <a:rPr kumimoji="0" lang="en-US" altLang="en-US" sz="1050" b="0" i="0" u="none" strike="noStrike" cap="none" normalizeH="0" baseline="0" dirty="0">
@@ -6183,7 +6159,7 @@
           <a:noFill/>
           <a:extLst>
             <a:ext uri="{909E8E84-426E-40dd-AFC4-6F175D3DCCD1}">
-              <a14:hiddenFill xmlns="" xmlns:a14="http://schemas.microsoft.com/office/drawing/2010/main">
+              <a14:hiddenFill xmlns:a14="http://schemas.microsoft.com/office/drawing/2010/main" xmlns="">
                 <a:solidFill>
                   <a:srgbClr val="FFFFFF"/>
                 </a:solidFill>
@@ -6197,7 +6173,7 @@
           <p:cNvPr id="7" name="Slide Number Placeholder 6">
             <a:extLst>
               <a:ext uri="{FF2B5EF4-FFF2-40B4-BE49-F238E27FC236}">
-                <a16:creationId xmlns:a16="http://schemas.microsoft.com/office/drawing/2014/main" xmlns="" id="{F6739919-47A8-43E0-85A2-F648492C26DE}"/>
+                <a16:creationId xmlns:a16="http://schemas.microsoft.com/office/drawing/2014/main" id="{F6739919-47A8-43E0-85A2-F648492C26DE}"/>
               </a:ext>
             </a:extLst>
           </p:cNvPr>
@@ -6221,6 +6197,42 @@
           </a:p>
         </p:txBody>
       </p:sp>
+      <p:pic>
+        <p:nvPicPr>
+          <p:cNvPr id="9" name="Рисунок 7">
+            <a:extLst>
+              <a:ext uri="{FF2B5EF4-FFF2-40B4-BE49-F238E27FC236}">
+                <a16:creationId xmlns:a16="http://schemas.microsoft.com/office/drawing/2014/main" id="{8A77022F-DEF2-5B48-93B5-410442FB812B}"/>
+              </a:ext>
+            </a:extLst>
+          </p:cNvPr>
+          <p:cNvPicPr>
+            <a:picLocks noChangeAspect="1"/>
+          </p:cNvPicPr>
+          <p:nvPr/>
+        </p:nvPicPr>
+        <p:blipFill>
+          <a:blip r:embed="rId4">
+            <a:extLst>
+              <a:ext uri="{28A0092B-C50C-407E-A947-70E740481C1C}">
+                <a14:useLocalDpi xmlns:a14="http://schemas.microsoft.com/office/drawing/2010/main" val="0"/>
+              </a:ext>
+            </a:extLst>
+          </a:blip>
+          <a:stretch>
+            <a:fillRect/>
+          </a:stretch>
+        </p:blipFill>
+        <p:spPr>
+          <a:xfrm>
+            <a:off x="575029" y="2424681"/>
+            <a:ext cx="2183027" cy="329637"/>
+          </a:xfrm>
+          <a:prstGeom prst="rect">
+            <a:avLst/>
+          </a:prstGeom>
+        </p:spPr>
+      </p:pic>
     </p:spTree>
     <p:extLst>
       <p:ext uri="{BB962C8B-B14F-4D97-AF65-F5344CB8AC3E}">
@@ -6267,12 +6279,8 @@
           <a:lstStyle/>
           <a:p>
             <a:r>
-              <a:rPr lang="ru-RU" b="1" dirty="0" smtClean="0"/>
-              <a:t>Цель </a:t>
-            </a:r>
-            <a:r>
               <a:rPr lang="ru-RU" b="1" dirty="0"/>
-              <a:t>Урока</a:t>
+              <a:t>Цель Урока</a:t>
             </a:r>
             <a:endParaRPr lang="en-US" dirty="0"/>
           </a:p>
@@ -6299,19 +6307,15 @@
           <a:lstStyle/>
           <a:p>
             <a:r>
-              <a:rPr lang="ru-RU" dirty="0" smtClean="0"/>
-              <a:t>Узнаем, </a:t>
-            </a:r>
-            <a:r>
               <a:rPr lang="ru-RU" dirty="0"/>
-              <a:t>как просмотреть значения датчиков на SPIKE </a:t>
-            </a:r>
-            <a:r>
-              <a:rPr lang="ru-RU" dirty="0" err="1" smtClean="0"/>
+              <a:t>Узнаем, как просмотреть значения датчиков на SPIKE </a:t>
+            </a:r>
+            <a:r>
+              <a:rPr lang="ru-RU" dirty="0" err="1"/>
               <a:t>Prime</a:t>
             </a:r>
             <a:r>
-              <a:rPr lang="ru-RU" dirty="0" smtClean="0"/>
+              <a:rPr lang="ru-RU" dirty="0"/>
               <a:t>.</a:t>
             </a:r>
             <a:endParaRPr lang="en-US" dirty="0"/>
@@ -6367,7 +6371,7 @@
           <p:cNvPr id="7" name="Slide Number Placeholder 6">
             <a:extLst>
               <a:ext uri="{FF2B5EF4-FFF2-40B4-BE49-F238E27FC236}">
-                <a16:creationId xmlns="" xmlns:a16="http://schemas.microsoft.com/office/drawing/2014/main" id="{8D64AAE4-28AB-4B08-8A92-91AD24C926BD}"/>
+                <a16:creationId xmlns:a16="http://schemas.microsoft.com/office/drawing/2014/main" id="{8D64AAE4-28AB-4B08-8A92-91AD24C926BD}"/>
               </a:ext>
             </a:extLst>
           </p:cNvPr>
@@ -6425,13 +6429,6 @@
   <p:clrMapOvr>
     <a:masterClrMapping/>
   </p:clrMapOvr>
-  <p:timing>
-    <p:tnLst>
-      <p:par>
-        <p:cTn id="1" dur="indefinite" restart="never" nodeType="tmRoot"/>
-      </p:par>
-    </p:tnLst>
-  </p:timing>
 </p:sld>
 </file>
 
@@ -6457,7 +6454,7 @@
           <p:cNvPr id="2" name="Title 1">
             <a:extLst>
               <a:ext uri="{FF2B5EF4-FFF2-40B4-BE49-F238E27FC236}">
-                <a16:creationId xmlns="" xmlns:a16="http://schemas.microsoft.com/office/drawing/2014/main" id="{E1D41296-16BA-436E-A42E-41630A191DDE}"/>
+                <a16:creationId xmlns:a16="http://schemas.microsoft.com/office/drawing/2014/main" id="{E1D41296-16BA-436E-A42E-41630A191DDE}"/>
               </a:ext>
             </a:extLst>
           </p:cNvPr>
@@ -6486,7 +6483,7 @@
           <p:cNvPr id="3" name="Content Placeholder 2">
             <a:extLst>
               <a:ext uri="{FF2B5EF4-FFF2-40B4-BE49-F238E27FC236}">
-                <a16:creationId xmlns="" xmlns:a16="http://schemas.microsoft.com/office/drawing/2014/main" id="{250543C7-4DE9-409A-AA50-34E4D33C0FAA}"/>
+                <a16:creationId xmlns:a16="http://schemas.microsoft.com/office/drawing/2014/main" id="{250543C7-4DE9-409A-AA50-34E4D33C0FAA}"/>
               </a:ext>
             </a:extLst>
           </p:cNvPr>
@@ -6506,11 +6503,7 @@
           <a:p>
             <a:r>
               <a:rPr lang="ru-RU" sz="2000" dirty="0"/>
-              <a:t>Значения датчиков могут </a:t>
-            </a:r>
-            <a:r>
-              <a:rPr lang="ru-RU" sz="2000" dirty="0" smtClean="0"/>
-              <a:t>:</a:t>
+              <a:t>Значения датчиков могут :</a:t>
             </a:r>
             <a:endParaRPr lang="en-US" sz="2000" dirty="0"/>
           </a:p>
@@ -6518,17 +6511,8 @@
             <a:pPr lvl="1"/>
             <a:r>
               <a:rPr lang="ru-RU" sz="2000" dirty="0"/>
-              <a:t>Использоваться, чтобы помочь программе быть </a:t>
-            </a:r>
-            <a:r>
-              <a:rPr lang="ru-RU" sz="2000" dirty="0" smtClean="0"/>
-              <a:t>полезнее (не </a:t>
-            </a:r>
-            <a:r>
-              <a:rPr lang="ru-RU" sz="2000" dirty="0" smtClean="0"/>
-              <a:t>угадывать).</a:t>
-            </a:r>
-            <a:endParaRPr lang="ru-RU" sz="2000" dirty="0"/>
+              <a:t>Использоваться, чтобы помочь программе быть полезнее (не угадывать).</a:t>
+            </a:r>
           </a:p>
           <a:p>
             <a:pPr lvl="1"/>
@@ -6541,11 +6525,7 @@
             <a:pPr lvl="1"/>
             <a:r>
               <a:rPr lang="ru-RU" sz="2000" dirty="0"/>
-              <a:t>Использоваться для отладки кода, а также для выявления </a:t>
-            </a:r>
-            <a:r>
-              <a:rPr lang="ru-RU" sz="2000" dirty="0" smtClean="0"/>
-              <a:t>проблем и ошибок.</a:t>
+              <a:t>Использоваться для отладки кода, а также для выявления проблем и ошибок.</a:t>
             </a:r>
             <a:endParaRPr lang="en-US" sz="2000" dirty="0"/>
           </a:p>
@@ -6563,7 +6543,7 @@
               <a:t> нет экрана, но вы можете просматривать значения датчиков с помощью Панели Управления </a:t>
             </a:r>
             <a:r>
-              <a:rPr lang="ru-RU" sz="2000" dirty="0" err="1" smtClean="0"/>
+              <a:rPr lang="ru-RU" sz="2000" dirty="0" err="1"/>
               <a:t>Хаба</a:t>
             </a:r>
             <a:r>
@@ -6579,7 +6559,7 @@
           <p:cNvPr id="4" name="Footer Placeholder 3">
             <a:extLst>
               <a:ext uri="{FF2B5EF4-FFF2-40B4-BE49-F238E27FC236}">
-                <a16:creationId xmlns="" xmlns:a16="http://schemas.microsoft.com/office/drawing/2014/main" id="{1CAADCCE-5FED-4FA7-B948-446140EFB59B}"/>
+                <a16:creationId xmlns:a16="http://schemas.microsoft.com/office/drawing/2014/main" id="{1CAADCCE-5FED-4FA7-B948-446140EFB59B}"/>
               </a:ext>
             </a:extLst>
           </p:cNvPr>
@@ -6620,7 +6600,7 @@
           <p:cNvPr id="5" name="Slide Number Placeholder 4">
             <a:extLst>
               <a:ext uri="{FF2B5EF4-FFF2-40B4-BE49-F238E27FC236}">
-                <a16:creationId xmlns="" xmlns:a16="http://schemas.microsoft.com/office/drawing/2014/main" id="{DC10D923-EEB5-4C1B-BBE3-481C0515D8F4}"/>
+                <a16:creationId xmlns:a16="http://schemas.microsoft.com/office/drawing/2014/main" id="{DC10D923-EEB5-4C1B-BBE3-481C0515D8F4}"/>
               </a:ext>
             </a:extLst>
           </p:cNvPr>
@@ -6654,13 +6634,6 @@
   <p:clrMapOvr>
     <a:masterClrMapping/>
   </p:clrMapOvr>
-  <p:timing>
-    <p:tnLst>
-      <p:par>
-        <p:cTn id="1" dur="indefinite" restart="never" nodeType="tmRoot"/>
-      </p:par>
-    </p:tnLst>
-  </p:timing>
 </p:sld>
 </file>
 
@@ -6735,11 +6708,11 @@
               <a:t>Для просмотра любых значения датчиков необходимо сначала подключиться к </a:t>
             </a:r>
             <a:r>
-              <a:rPr lang="ru-RU" dirty="0" err="1" smtClean="0"/>
+              <a:rPr lang="ru-RU" dirty="0" err="1"/>
               <a:t>Хабу</a:t>
             </a:r>
             <a:r>
-              <a:rPr lang="ru-RU" dirty="0" smtClean="0"/>
+              <a:rPr lang="ru-RU" dirty="0"/>
               <a:t>.</a:t>
             </a:r>
             <a:endParaRPr lang="en-US" dirty="0"/>
@@ -6786,7 +6759,7 @@
           <p:cNvPr id="14" name="Slide Number Placeholder 13">
             <a:extLst>
               <a:ext uri="{FF2B5EF4-FFF2-40B4-BE49-F238E27FC236}">
-                <a16:creationId xmlns="" xmlns:a16="http://schemas.microsoft.com/office/drawing/2014/main" id="{D318FC27-407A-4F8C-85FE-2F82CAB12653}"/>
+                <a16:creationId xmlns:a16="http://schemas.microsoft.com/office/drawing/2014/main" id="{D318FC27-407A-4F8C-85FE-2F82CAB12653}"/>
               </a:ext>
             </a:extLst>
           </p:cNvPr>
@@ -6986,7 +6959,7 @@
           <p:cNvPr id="19" name="Rectangle 22">
             <a:extLst>
               <a:ext uri="{FF2B5EF4-FFF2-40B4-BE49-F238E27FC236}">
-                <a16:creationId xmlns="" xmlns:a16="http://schemas.microsoft.com/office/drawing/2014/main" id="{6BC181B5-2EA1-4C01-B42F-745681F8FFEE}"/>
+                <a16:creationId xmlns:a16="http://schemas.microsoft.com/office/drawing/2014/main" id="{6BC181B5-2EA1-4C01-B42F-745681F8FFEE}"/>
               </a:ext>
             </a:extLst>
           </p:cNvPr>
@@ -7041,13 +7014,6 @@
   <p:clrMapOvr>
     <a:masterClrMapping/>
   </p:clrMapOvr>
-  <p:timing>
-    <p:tnLst>
-      <p:par>
-        <p:cTn id="1" dur="indefinite" restart="never" nodeType="tmRoot"/>
-      </p:par>
-    </p:tnLst>
-  </p:timing>
 </p:sld>
 </file>
 
@@ -7073,7 +7039,7 @@
           <p:cNvPr id="2" name="Title 1">
             <a:extLst>
               <a:ext uri="{FF2B5EF4-FFF2-40B4-BE49-F238E27FC236}">
-                <a16:creationId xmlns="" xmlns:a16="http://schemas.microsoft.com/office/drawing/2014/main" id="{D5A6BCAB-75A2-4126-A082-8E6915023F11}"/>
+                <a16:creationId xmlns:a16="http://schemas.microsoft.com/office/drawing/2014/main" id="{D5A6BCAB-75A2-4126-A082-8E6915023F11}"/>
               </a:ext>
             </a:extLst>
           </p:cNvPr>
@@ -7102,7 +7068,7 @@
           <p:cNvPr id="4" name="Footer Placeholder 3">
             <a:extLst>
               <a:ext uri="{FF2B5EF4-FFF2-40B4-BE49-F238E27FC236}">
-                <a16:creationId xmlns="" xmlns:a16="http://schemas.microsoft.com/office/drawing/2014/main" id="{258D08AD-20DC-44AA-819A-B963992CB9F4}"/>
+                <a16:creationId xmlns:a16="http://schemas.microsoft.com/office/drawing/2014/main" id="{258D08AD-20DC-44AA-819A-B963992CB9F4}"/>
               </a:ext>
             </a:extLst>
           </p:cNvPr>
@@ -7143,7 +7109,7 @@
           <p:cNvPr id="5" name="Slide Number Placeholder 4">
             <a:extLst>
               <a:ext uri="{FF2B5EF4-FFF2-40B4-BE49-F238E27FC236}">
-                <a16:creationId xmlns="" xmlns:a16="http://schemas.microsoft.com/office/drawing/2014/main" id="{D37737A4-2006-4988-8BC4-A230776A3EC9}"/>
+                <a16:creationId xmlns:a16="http://schemas.microsoft.com/office/drawing/2014/main" id="{D37737A4-2006-4988-8BC4-A230776A3EC9}"/>
               </a:ext>
             </a:extLst>
           </p:cNvPr>
@@ -7172,7 +7138,7 @@
           <p:cNvPr id="7" name="Content Placeholder 6">
             <a:extLst>
               <a:ext uri="{FF2B5EF4-FFF2-40B4-BE49-F238E27FC236}">
-                <a16:creationId xmlns="" xmlns:a16="http://schemas.microsoft.com/office/drawing/2014/main" id="{EC1D8DBC-A40B-4B42-862B-F554BFFDCA49}"/>
+                <a16:creationId xmlns:a16="http://schemas.microsoft.com/office/drawing/2014/main" id="{EC1D8DBC-A40B-4B42-862B-F554BFFDCA49}"/>
               </a:ext>
             </a:extLst>
           </p:cNvPr>
@@ -7400,16 +7366,12 @@
               <a:t>После подключения к </a:t>
             </a:r>
             <a:r>
-              <a:rPr lang="ru-RU" dirty="0" err="1" smtClean="0"/>
+              <a:rPr lang="ru-RU" dirty="0" err="1"/>
               <a:t>Хабу</a:t>
             </a:r>
             <a:r>
-              <a:rPr lang="ru-RU" dirty="0" smtClean="0"/>
-              <a:t> </a:t>
-            </a:r>
-            <a:r>
               <a:rPr lang="ru-RU" dirty="0"/>
-              <a:t>значения датчиков и моторов отображаются в верхней части каждой страницы проекта.</a:t>
+              <a:t> значения датчиков и моторов отображаются в верхней части каждой страницы проекта.</a:t>
             </a:r>
             <a:endParaRPr lang="en-US" dirty="0"/>
           </a:p>
@@ -7449,13 +7411,6 @@
   <p:clrMapOvr>
     <a:masterClrMapping/>
   </p:clrMapOvr>
-  <p:timing>
-    <p:tnLst>
-      <p:par>
-        <p:cTn id="1" dur="indefinite" restart="never" nodeType="tmRoot"/>
-      </p:par>
-    </p:tnLst>
-  </p:timing>
 </p:sld>
 </file>
 
@@ -7481,7 +7436,7 @@
           <p:cNvPr id="2" name="Title 1">
             <a:extLst>
               <a:ext uri="{FF2B5EF4-FFF2-40B4-BE49-F238E27FC236}">
-                <a16:creationId xmlns="" xmlns:a16="http://schemas.microsoft.com/office/drawing/2014/main" id="{199144A7-962B-4B27-945E-01D9D34F636B}"/>
+                <a16:creationId xmlns:a16="http://schemas.microsoft.com/office/drawing/2014/main" id="{199144A7-962B-4B27-945E-01D9D34F636B}"/>
               </a:ext>
             </a:extLst>
           </p:cNvPr>
@@ -7512,7 +7467,7 @@
           <p:cNvPr id="3" name="Content Placeholder 2">
             <a:extLst>
               <a:ext uri="{FF2B5EF4-FFF2-40B4-BE49-F238E27FC236}">
-                <a16:creationId xmlns="" xmlns:a16="http://schemas.microsoft.com/office/drawing/2014/main" id="{21C146A9-4164-4157-8626-1A4720B3894C}"/>
+                <a16:creationId xmlns:a16="http://schemas.microsoft.com/office/drawing/2014/main" id="{21C146A9-4164-4157-8626-1A4720B3894C}"/>
               </a:ext>
             </a:extLst>
           </p:cNvPr>
@@ -7538,36 +7493,20 @@
               <a:t>Нажав на значок </a:t>
             </a:r>
             <a:r>
-              <a:rPr lang="ru-RU" dirty="0" err="1" smtClean="0"/>
+              <a:rPr lang="ru-RU" dirty="0" err="1"/>
               <a:t>Хаба</a:t>
             </a:r>
             <a:r>
-              <a:rPr lang="ru-RU" dirty="0" smtClean="0"/>
+              <a:rPr lang="ru-RU" dirty="0"/>
               <a:t> </a:t>
             </a:r>
             <a:r>
-              <a:rPr lang="en-US" dirty="0" smtClean="0"/>
-              <a:t>SPIKE </a:t>
-            </a:r>
-            <a:r>
               <a:rPr lang="en-US" dirty="0"/>
-              <a:t>Prime </a:t>
-            </a:r>
-            <a:r>
-              <a:rPr lang="ru-RU" dirty="0" smtClean="0"/>
-              <a:t>Вы попадете </a:t>
+              <a:t>SPIKE Prime </a:t>
             </a:r>
             <a:r>
               <a:rPr lang="ru-RU" dirty="0"/>
-              <a:t>в информационную </a:t>
-            </a:r>
-            <a:r>
-              <a:rPr lang="ru-RU" dirty="0" smtClean="0"/>
-              <a:t>панель, </a:t>
-            </a:r>
-            <a:r>
-              <a:rPr lang="ru-RU" dirty="0"/>
-              <a:t>где вы можете увидеть больше данных датчиков.</a:t>
+              <a:t>Вы попадете в информационную панель, где вы можете увидеть больше данных датчиков.</a:t>
             </a:r>
             <a:endParaRPr lang="en-US" dirty="0"/>
           </a:p>
@@ -7578,7 +7517,7 @@
           <p:cNvPr id="4" name="Footer Placeholder 3">
             <a:extLst>
               <a:ext uri="{FF2B5EF4-FFF2-40B4-BE49-F238E27FC236}">
-                <a16:creationId xmlns="" xmlns:a16="http://schemas.microsoft.com/office/drawing/2014/main" id="{8ADDB44F-B273-4B6E-8905-C85B1E238F64}"/>
+                <a16:creationId xmlns:a16="http://schemas.microsoft.com/office/drawing/2014/main" id="{8ADDB44F-B273-4B6E-8905-C85B1E238F64}"/>
               </a:ext>
             </a:extLst>
           </p:cNvPr>
@@ -7619,7 +7558,7 @@
           <p:cNvPr id="5" name="Slide Number Placeholder 4">
             <a:extLst>
               <a:ext uri="{FF2B5EF4-FFF2-40B4-BE49-F238E27FC236}">
-                <a16:creationId xmlns="" xmlns:a16="http://schemas.microsoft.com/office/drawing/2014/main" id="{8A32082B-658A-4B92-83C7-9136DE9AD1CE}"/>
+                <a16:creationId xmlns:a16="http://schemas.microsoft.com/office/drawing/2014/main" id="{8A32082B-658A-4B92-83C7-9136DE9AD1CE}"/>
               </a:ext>
             </a:extLst>
           </p:cNvPr>
@@ -7677,7 +7616,7 @@
           <p:cNvPr id="12" name="Rectangle 10">
             <a:extLst>
               <a:ext uri="{FF2B5EF4-FFF2-40B4-BE49-F238E27FC236}">
-                <a16:creationId xmlns:a16="http://schemas.microsoft.com/office/drawing/2014/main" xmlns="" id="{CA7AC1CC-ADE2-4426-BE22-BA17CBDBC6F0}"/>
+                <a16:creationId xmlns:a16="http://schemas.microsoft.com/office/drawing/2014/main" id="{CA7AC1CC-ADE2-4426-BE22-BA17CBDBC6F0}"/>
               </a:ext>
             </a:extLst>
           </p:cNvPr>
@@ -7763,13 +7702,6 @@
   <p:clrMapOvr>
     <a:masterClrMapping/>
   </p:clrMapOvr>
-  <p:timing>
-    <p:tnLst>
-      <p:par>
-        <p:cTn id="1" dur="indefinite" restart="never" nodeType="tmRoot"/>
-      </p:par>
-    </p:tnLst>
-  </p:timing>
 </p:sld>
 </file>
 
@@ -7795,7 +7727,7 @@
           <p:cNvPr id="2" name="Title 1">
             <a:extLst>
               <a:ext uri="{FF2B5EF4-FFF2-40B4-BE49-F238E27FC236}">
-                <a16:creationId xmlns="" xmlns:a16="http://schemas.microsoft.com/office/drawing/2014/main" id="{FAAC4DF7-AC81-4B00-9414-C10CDF3B7672}"/>
+                <a16:creationId xmlns:a16="http://schemas.microsoft.com/office/drawing/2014/main" id="{FAAC4DF7-AC81-4B00-9414-C10CDF3B7672}"/>
               </a:ext>
             </a:extLst>
           </p:cNvPr>
@@ -7826,7 +7758,7 @@
           <p:cNvPr id="4" name="Footer Placeholder 3">
             <a:extLst>
               <a:ext uri="{FF2B5EF4-FFF2-40B4-BE49-F238E27FC236}">
-                <a16:creationId xmlns="" xmlns:a16="http://schemas.microsoft.com/office/drawing/2014/main" id="{C5A0AF4A-5962-4191-83A6-8661BC0FFA2D}"/>
+                <a16:creationId xmlns:a16="http://schemas.microsoft.com/office/drawing/2014/main" id="{C5A0AF4A-5962-4191-83A6-8661BC0FFA2D}"/>
               </a:ext>
             </a:extLst>
           </p:cNvPr>
@@ -7867,7 +7799,7 @@
           <p:cNvPr id="5" name="Slide Number Placeholder 4">
             <a:extLst>
               <a:ext uri="{FF2B5EF4-FFF2-40B4-BE49-F238E27FC236}">
-                <a16:creationId xmlns="" xmlns:a16="http://schemas.microsoft.com/office/drawing/2014/main" id="{06D38760-2251-445B-ABB6-BB90BE976C44}"/>
+                <a16:creationId xmlns:a16="http://schemas.microsoft.com/office/drawing/2014/main" id="{06D38760-2251-445B-ABB6-BB90BE976C44}"/>
               </a:ext>
             </a:extLst>
           </p:cNvPr>
@@ -7896,7 +7828,7 @@
           <p:cNvPr id="22" name="Content Placeholder 2">
             <a:extLst>
               <a:ext uri="{FF2B5EF4-FFF2-40B4-BE49-F238E27FC236}">
-                <a16:creationId xmlns:a16="http://schemas.microsoft.com/office/drawing/2014/main" xmlns="" id="{9425990E-A496-476B-B204-10A1C131AB7B}"/>
+                <a16:creationId xmlns:a16="http://schemas.microsoft.com/office/drawing/2014/main" id="{9425990E-A496-476B-B204-10A1C131AB7B}"/>
               </a:ext>
             </a:extLst>
           </p:cNvPr>
@@ -8120,35 +8052,35 @@
           </a:lstStyle>
           <a:p>
             <a:r>
-              <a:rPr lang="ru-RU" dirty="0" smtClean="0"/>
+              <a:rPr lang="ru-RU" dirty="0"/>
               <a:t>На информационной панели управления </a:t>
             </a:r>
             <a:r>
-              <a:rPr lang="ru-RU" dirty="0" err="1" smtClean="0"/>
+              <a:rPr lang="ru-RU" dirty="0" err="1"/>
               <a:t>Хаба</a:t>
             </a:r>
             <a:r>
-              <a:rPr lang="ru-RU" dirty="0" smtClean="0"/>
+              <a:rPr lang="ru-RU" dirty="0"/>
               <a:t> вы также можете увидеть много дополнительной информации о каждом датчике и моторе , подключенном к </a:t>
             </a:r>
             <a:r>
-              <a:rPr lang="ru-RU" dirty="0" err="1" smtClean="0"/>
+              <a:rPr lang="ru-RU" dirty="0" err="1"/>
               <a:t>Хабу</a:t>
             </a:r>
             <a:r>
-              <a:rPr lang="ru-RU" dirty="0" smtClean="0"/>
+              <a:rPr lang="ru-RU" dirty="0"/>
               <a:t>.</a:t>
             </a:r>
           </a:p>
           <a:p>
             <a:r>
-              <a:rPr lang="ru-RU" dirty="0" smtClean="0"/>
+              <a:rPr lang="ru-RU" dirty="0"/>
               <a:t>Выберите режим с помощью стрелки вниз.</a:t>
             </a:r>
           </a:p>
           <a:p>
             <a:r>
-              <a:rPr lang="ru-RU" dirty="0" smtClean="0"/>
+              <a:rPr lang="ru-RU" dirty="0"/>
               <a:t>Вы также можете увидеть значения для встроенного гироскопического датчика.</a:t>
             </a:r>
             <a:endParaRPr lang="en-US" dirty="0"/>
@@ -8189,7 +8121,7 @@
           <p:cNvPr id="24" name="TextBox 23">
             <a:extLst>
               <a:ext uri="{FF2B5EF4-FFF2-40B4-BE49-F238E27FC236}">
-                <a16:creationId xmlns:a16="http://schemas.microsoft.com/office/drawing/2014/main" xmlns="" id="{32125BE7-9852-4293-950B-11C7FEF2C1EF}"/>
+                <a16:creationId xmlns:a16="http://schemas.microsoft.com/office/drawing/2014/main" id="{32125BE7-9852-4293-950B-11C7FEF2C1EF}"/>
               </a:ext>
             </a:extLst>
           </p:cNvPr>
@@ -8234,7 +8166,7 @@
           <p:cNvPr id="25" name="Rectangle 19">
             <a:extLst>
               <a:ext uri="{FF2B5EF4-FFF2-40B4-BE49-F238E27FC236}">
-                <a16:creationId xmlns:a16="http://schemas.microsoft.com/office/drawing/2014/main" xmlns="" id="{01744079-1924-4320-A0B0-3F1DFE60E373}"/>
+                <a16:creationId xmlns:a16="http://schemas.microsoft.com/office/drawing/2014/main" id="{01744079-1924-4320-A0B0-3F1DFE60E373}"/>
               </a:ext>
             </a:extLst>
           </p:cNvPr>
@@ -8286,7 +8218,7 @@
           <p:cNvPr id="26" name="Rectangle 20">
             <a:extLst>
               <a:ext uri="{FF2B5EF4-FFF2-40B4-BE49-F238E27FC236}">
-                <a16:creationId xmlns:a16="http://schemas.microsoft.com/office/drawing/2014/main" xmlns="" id="{003FC19A-0E63-4960-9275-17A564CB68C3}"/>
+                <a16:creationId xmlns:a16="http://schemas.microsoft.com/office/drawing/2014/main" id="{003FC19A-0E63-4960-9275-17A564CB68C3}"/>
               </a:ext>
             </a:extLst>
           </p:cNvPr>
@@ -8367,7 +8299,7 @@
           <p:cNvPr id="28" name="TextBox 27">
             <a:extLst>
               <a:ext uri="{FF2B5EF4-FFF2-40B4-BE49-F238E27FC236}">
-                <a16:creationId xmlns:a16="http://schemas.microsoft.com/office/drawing/2014/main" xmlns="" id="{73D84F90-7576-42EA-A695-157B7E192CFD}"/>
+                <a16:creationId xmlns:a16="http://schemas.microsoft.com/office/drawing/2014/main" id="{73D84F90-7576-42EA-A695-157B7E192CFD}"/>
               </a:ext>
             </a:extLst>
           </p:cNvPr>
@@ -8411,7 +8343,7 @@
           <p:cNvPr id="29" name="Rectangle 16">
             <a:extLst>
               <a:ext uri="{FF2B5EF4-FFF2-40B4-BE49-F238E27FC236}">
-                <a16:creationId xmlns:a16="http://schemas.microsoft.com/office/drawing/2014/main" xmlns="" id="{FB74A1F9-F479-41D1-9A68-68723935DB4A}"/>
+                <a16:creationId xmlns:a16="http://schemas.microsoft.com/office/drawing/2014/main" id="{FB74A1F9-F479-41D1-9A68-68723935DB4A}"/>
               </a:ext>
             </a:extLst>
           </p:cNvPr>
@@ -8492,7 +8424,7 @@
           <p:cNvPr id="31" name="TextBox 30">
             <a:extLst>
               <a:ext uri="{FF2B5EF4-FFF2-40B4-BE49-F238E27FC236}">
-                <a16:creationId xmlns:a16="http://schemas.microsoft.com/office/drawing/2014/main" xmlns="" id="{BE217F9F-AF40-4FEF-9128-362273120A35}"/>
+                <a16:creationId xmlns:a16="http://schemas.microsoft.com/office/drawing/2014/main" id="{BE217F9F-AF40-4FEF-9128-362273120A35}"/>
               </a:ext>
             </a:extLst>
           </p:cNvPr>
@@ -8536,7 +8468,7 @@
           <p:cNvPr id="32" name="Rectangle 17">
             <a:extLst>
               <a:ext uri="{FF2B5EF4-FFF2-40B4-BE49-F238E27FC236}">
-                <a16:creationId xmlns:a16="http://schemas.microsoft.com/office/drawing/2014/main" xmlns="" id="{055E93ED-91BF-40E0-A28A-F84F190AC57D}"/>
+                <a16:creationId xmlns:a16="http://schemas.microsoft.com/office/drawing/2014/main" id="{055E93ED-91BF-40E0-A28A-F84F190AC57D}"/>
               </a:ext>
             </a:extLst>
           </p:cNvPr>
@@ -8617,7 +8549,7 @@
           <p:cNvPr id="34" name="TextBox 33">
             <a:extLst>
               <a:ext uri="{FF2B5EF4-FFF2-40B4-BE49-F238E27FC236}">
-                <a16:creationId xmlns:a16="http://schemas.microsoft.com/office/drawing/2014/main" xmlns="" id="{49F2BC9D-0C4D-43B0-BC1D-E77630ADB613}"/>
+                <a16:creationId xmlns:a16="http://schemas.microsoft.com/office/drawing/2014/main" id="{49F2BC9D-0C4D-43B0-BC1D-E77630ADB613}"/>
               </a:ext>
             </a:extLst>
           </p:cNvPr>
@@ -8661,7 +8593,7 @@
           <p:cNvPr id="35" name="Rectangle 18">
             <a:extLst>
               <a:ext uri="{FF2B5EF4-FFF2-40B4-BE49-F238E27FC236}">
-                <a16:creationId xmlns:a16="http://schemas.microsoft.com/office/drawing/2014/main" xmlns="" id="{1620493E-ED12-4DFC-9E28-0384D8F71643}"/>
+                <a16:creationId xmlns:a16="http://schemas.microsoft.com/office/drawing/2014/main" id="{1620493E-ED12-4DFC-9E28-0384D8F71643}"/>
               </a:ext>
             </a:extLst>
           </p:cNvPr>
@@ -8743,7 +8675,7 @@
           <p:cNvPr id="2" name="Title 1">
             <a:extLst>
               <a:ext uri="{FF2B5EF4-FFF2-40B4-BE49-F238E27FC236}">
-                <a16:creationId xmlns="" xmlns:a16="http://schemas.microsoft.com/office/drawing/2014/main" id="{8B1C6117-F676-4AF0-A324-BDCD5BA1A4FB}"/>
+                <a16:creationId xmlns:a16="http://schemas.microsoft.com/office/drawing/2014/main" id="{8B1C6117-F676-4AF0-A324-BDCD5BA1A4FB}"/>
               </a:ext>
             </a:extLst>
           </p:cNvPr>
@@ -8772,7 +8704,7 @@
           <p:cNvPr id="3" name="Content Placeholder 2">
             <a:extLst>
               <a:ext uri="{FF2B5EF4-FFF2-40B4-BE49-F238E27FC236}">
-                <a16:creationId xmlns="" xmlns:a16="http://schemas.microsoft.com/office/drawing/2014/main" id="{98BF2F27-0969-4A21-A811-25446C166736}"/>
+                <a16:creationId xmlns:a16="http://schemas.microsoft.com/office/drawing/2014/main" id="{98BF2F27-0969-4A21-A811-25446C166736}"/>
               </a:ext>
             </a:extLst>
           </p:cNvPr>
@@ -8825,7 +8757,7 @@
           <p:cNvPr id="4" name="Footer Placeholder 3">
             <a:extLst>
               <a:ext uri="{FF2B5EF4-FFF2-40B4-BE49-F238E27FC236}">
-                <a16:creationId xmlns="" xmlns:a16="http://schemas.microsoft.com/office/drawing/2014/main" id="{5A876EAC-3634-457E-96E9-ECA62430BD73}"/>
+                <a16:creationId xmlns:a16="http://schemas.microsoft.com/office/drawing/2014/main" id="{5A876EAC-3634-457E-96E9-ECA62430BD73}"/>
               </a:ext>
             </a:extLst>
           </p:cNvPr>
@@ -8866,7 +8798,7 @@
           <p:cNvPr id="5" name="Slide Number Placeholder 4">
             <a:extLst>
               <a:ext uri="{FF2B5EF4-FFF2-40B4-BE49-F238E27FC236}">
-                <a16:creationId xmlns="" xmlns:a16="http://schemas.microsoft.com/office/drawing/2014/main" id="{8228B9EE-F074-4024-B91D-6214524EF2A5}"/>
+                <a16:creationId xmlns:a16="http://schemas.microsoft.com/office/drawing/2014/main" id="{8228B9EE-F074-4024-B91D-6214524EF2A5}"/>
               </a:ext>
             </a:extLst>
           </p:cNvPr>
@@ -8925,7 +8857,7 @@
           <p:cNvPr id="2" name="Title 1">
             <a:extLst>
               <a:ext uri="{FF2B5EF4-FFF2-40B4-BE49-F238E27FC236}">
-                <a16:creationId xmlns="" xmlns:a16="http://schemas.microsoft.com/office/drawing/2014/main" id="{0F8923AC-A350-47DC-9916-6FC2E81F569B}"/>
+                <a16:creationId xmlns:a16="http://schemas.microsoft.com/office/drawing/2014/main" id="{0F8923AC-A350-47DC-9916-6FC2E81F569B}"/>
               </a:ext>
             </a:extLst>
           </p:cNvPr>
@@ -8954,7 +8886,7 @@
           <p:cNvPr id="3" name="Content Placeholder 2">
             <a:extLst>
               <a:ext uri="{FF2B5EF4-FFF2-40B4-BE49-F238E27FC236}">
-                <a16:creationId xmlns="" xmlns:a16="http://schemas.microsoft.com/office/drawing/2014/main" id="{4D1EF7A7-922F-41CF-93A1-B4E48E4F4056}"/>
+                <a16:creationId xmlns:a16="http://schemas.microsoft.com/office/drawing/2014/main" id="{4D1EF7A7-922F-41CF-93A1-B4E48E4F4056}"/>
               </a:ext>
             </a:extLst>
           </p:cNvPr>
@@ -8995,53 +8927,8 @@
                   <a:schemeClr val="tx1"/>
                 </a:solidFill>
               </a:rPr>
-              <a:t>Я хочу, чтобы мой робот поворачивался на </a:t>
-            </a:r>
-            <a:r>
-              <a:rPr lang="ru-RU" sz="2000" dirty="0" smtClean="0">
-                <a:solidFill>
-                  <a:schemeClr val="tx1"/>
-                </a:solidFill>
-              </a:rPr>
-              <a:t>определенный угол, </a:t>
-            </a:r>
-            <a:r>
-              <a:rPr lang="ru-RU" sz="2000" dirty="0">
-                <a:solidFill>
-                  <a:schemeClr val="tx1"/>
-                </a:solidFill>
-              </a:rPr>
-              <a:t>но я не </a:t>
-            </a:r>
-            <a:r>
-              <a:rPr lang="ru-RU" sz="2000" dirty="0" smtClean="0">
-                <a:solidFill>
-                  <a:schemeClr val="tx1"/>
-                </a:solidFill>
-              </a:rPr>
-              <a:t>знаю, </a:t>
-            </a:r>
-            <a:r>
-              <a:rPr lang="ru-RU" sz="2000" dirty="0">
-                <a:solidFill>
-                  <a:schemeClr val="tx1"/>
-                </a:solidFill>
-              </a:rPr>
-              <a:t>на сколько </a:t>
-            </a:r>
-            <a:r>
-              <a:rPr lang="ru-RU" sz="2000" dirty="0" smtClean="0">
-                <a:solidFill>
-                  <a:schemeClr val="tx1"/>
-                </a:solidFill>
-              </a:rPr>
-              <a:t>он повернул.</a:t>
-            </a:r>
-            <a:endParaRPr lang="ru-RU" sz="2000" dirty="0">
-              <a:solidFill>
-                <a:schemeClr val="tx1"/>
-              </a:solidFill>
-            </a:endParaRPr>
+              <a:t>Я хочу, чтобы мой робот поворачивался на определенный угол, но я не знаю, на сколько он повернул.</a:t>
+            </a:r>
           </a:p>
           <a:p>
             <a:pPr algn="just"/>
@@ -9055,15 +8942,7 @@
             </a:r>
             <a:r>
               <a:rPr lang="ru-RU" sz="2000" dirty="0"/>
-              <a:t>Робот не едет по зеленой линии, как я его запрограммировал. </a:t>
-            </a:r>
-            <a:r>
-              <a:rPr lang="ru-RU" sz="2000" dirty="0" smtClean="0"/>
-              <a:t>Почему </a:t>
-            </a:r>
-            <a:r>
-              <a:rPr lang="ru-RU" sz="2000" dirty="0"/>
-              <a:t>нет? Какого цвета, по мнению робота, эта зеленая линия?</a:t>
+              <a:t>Робот не едет по зеленой линии, как я его запрограммировал. Почему нет? Какого цвета, по мнению робота, эта зеленая линия?</a:t>
             </a:r>
           </a:p>
           <a:p>
@@ -9093,15 +8972,7 @@
             </a:r>
             <a:r>
               <a:rPr lang="ru-RU" sz="2000" dirty="0"/>
-              <a:t>Я запрограммировал робота остановиться, когда датчик расстояния находится на расстоянии 20 см. Но </a:t>
-            </a:r>
-            <a:r>
-              <a:rPr lang="ru-RU" sz="2000" dirty="0" smtClean="0"/>
-              <a:t>он </a:t>
-            </a:r>
-            <a:r>
-              <a:rPr lang="ru-RU" sz="2000" dirty="0"/>
-              <a:t>остановился раньше. Датчик работает правильно? Как я могу видеть то, что видит датчик расстояния?</a:t>
+              <a:t>Я запрограммировал робота остановиться, когда датчик расстояния находится на расстоянии 20 см. Но он остановился раньше. Датчик работает правильно? Как я могу видеть то, что видит датчик расстояния?</a:t>
             </a:r>
             <a:endParaRPr lang="en-US" sz="2000" dirty="0"/>
           </a:p>
@@ -9112,7 +8983,7 @@
           <p:cNvPr id="4" name="Footer Placeholder 3">
             <a:extLst>
               <a:ext uri="{FF2B5EF4-FFF2-40B4-BE49-F238E27FC236}">
-                <a16:creationId xmlns="" xmlns:a16="http://schemas.microsoft.com/office/drawing/2014/main" id="{6C7F1548-C974-4564-822C-83EB3BEFB842}"/>
+                <a16:creationId xmlns:a16="http://schemas.microsoft.com/office/drawing/2014/main" id="{6C7F1548-C974-4564-822C-83EB3BEFB842}"/>
               </a:ext>
             </a:extLst>
           </p:cNvPr>
@@ -9153,7 +9024,7 @@
           <p:cNvPr id="5" name="Slide Number Placeholder 4">
             <a:extLst>
               <a:ext uri="{FF2B5EF4-FFF2-40B4-BE49-F238E27FC236}">
-                <a16:creationId xmlns="" xmlns:a16="http://schemas.microsoft.com/office/drawing/2014/main" id="{B55C71AB-3FA1-4A14-87B5-DAD907549586}"/>
+                <a16:creationId xmlns:a16="http://schemas.microsoft.com/office/drawing/2014/main" id="{B55C71AB-3FA1-4A14-87B5-DAD907549586}"/>
               </a:ext>
             </a:extLst>
           </p:cNvPr>
